--- a/documentation/PPT/Final_Presentation.pptx
+++ b/documentation/PPT/Final_Presentation.pptx
@@ -5,7 +5,7 @@
     <p:sldMasterId id="2147483648" r:id="rId1"/>
   </p:sldMasterIdLst>
   <p:notesMasterIdLst>
-    <p:notesMasterId r:id="rId14"/>
+    <p:notesMasterId r:id="rId15"/>
   </p:notesMasterIdLst>
   <p:sldIdLst>
     <p:sldId id="270" r:id="rId2"/>
@@ -18,8 +18,9 @@
     <p:sldId id="262" r:id="rId9"/>
     <p:sldId id="263" r:id="rId10"/>
     <p:sldId id="285" r:id="rId11"/>
-    <p:sldId id="267" r:id="rId12"/>
-    <p:sldId id="268" r:id="rId13"/>
+    <p:sldId id="286" r:id="rId12"/>
+    <p:sldId id="267" r:id="rId13"/>
+    <p:sldId id="268" r:id="rId14"/>
   </p:sldIdLst>
   <p:sldSz cx="9144000" cy="6858000" type="screen4x3"/>
   <p:notesSz cx="6858000" cy="9144000"/>
@@ -8423,6 +8424,156 @@
           <a:chExt cx="0" cy="0"/>
         </a:xfrm>
       </p:grpSpPr>
+      <p:pic>
+        <p:nvPicPr>
+          <p:cNvPr id="5" name="Picture 4">
+            <a:extLst>
+              <a:ext uri="{FF2B5EF4-FFF2-40B4-BE49-F238E27FC236}">
+                <a16:creationId xmlns:a16="http://schemas.microsoft.com/office/drawing/2014/main" id="{1DE7A65E-0027-64F2-E115-EA02514F3618}"/>
+              </a:ext>
+            </a:extLst>
+          </p:cNvPr>
+          <p:cNvPicPr>
+            <a:picLocks noChangeAspect="1"/>
+          </p:cNvPicPr>
+          <p:nvPr/>
+        </p:nvPicPr>
+        <p:blipFill>
+          <a:blip r:embed="rId2"/>
+          <a:stretch>
+            <a:fillRect/>
+          </a:stretch>
+        </p:blipFill>
+        <p:spPr>
+          <a:xfrm>
+            <a:off x="2395537" y="1067088"/>
+            <a:ext cx="4352925" cy="4352925"/>
+          </a:xfrm>
+          <a:prstGeom prst="rect">
+            <a:avLst/>
+          </a:prstGeom>
+        </p:spPr>
+      </p:pic>
+      <p:sp>
+        <p:nvSpPr>
+          <p:cNvPr id="6" name="TextBox 5">
+            <a:extLst>
+              <a:ext uri="{FF2B5EF4-FFF2-40B4-BE49-F238E27FC236}">
+                <a16:creationId xmlns:a16="http://schemas.microsoft.com/office/drawing/2014/main" id="{59DC7B3F-4C98-3AC4-6275-1482A3D06681}"/>
+              </a:ext>
+            </a:extLst>
+          </p:cNvPr>
+          <p:cNvSpPr txBox="1"/>
+          <p:nvPr/>
+        </p:nvSpPr>
+        <p:spPr>
+          <a:xfrm>
+            <a:off x="1589315" y="466924"/>
+            <a:ext cx="6150428" cy="1200329"/>
+          </a:xfrm>
+          <a:prstGeom prst="rect">
+            <a:avLst/>
+          </a:prstGeom>
+          <a:noFill/>
+        </p:spPr>
+        <p:txBody>
+          <a:bodyPr wrap="square" rtlCol="0">
+            <a:spAutoFit/>
+          </a:bodyPr>
+          <a:lstStyle/>
+          <a:p>
+            <a:r>
+              <a:rPr lang="en-US" sz="3600" b="1" dirty="0">
+                <a:latin typeface="Times New Roman" panose="02020603050405020304" pitchFamily="18" charset="0"/>
+                <a:cs typeface="Times New Roman" panose="02020603050405020304" pitchFamily="18" charset="0"/>
+              </a:rPr>
+              <a:t>Scan to Explore the Website</a:t>
+            </a:r>
+            <a:br>
+              <a:rPr lang="en-US" sz="3600" dirty="0">
+                <a:latin typeface="Times New Roman" panose="02020603050405020304" pitchFamily="18" charset="0"/>
+                <a:cs typeface="Times New Roman" panose="02020603050405020304" pitchFamily="18" charset="0"/>
+              </a:rPr>
+            </a:br>
+            <a:endParaRPr lang="en-IN" sz="3600" b="1" dirty="0">
+              <a:latin typeface="Times New Roman" panose="02020603050405020304" pitchFamily="18" charset="0"/>
+              <a:cs typeface="Times New Roman" panose="02020603050405020304" pitchFamily="18" charset="0"/>
+            </a:endParaRPr>
+          </a:p>
+        </p:txBody>
+      </p:sp>
+      <p:sp>
+        <p:nvSpPr>
+          <p:cNvPr id="7" name="TextBox 6">
+            <a:extLst>
+              <a:ext uri="{FF2B5EF4-FFF2-40B4-BE49-F238E27FC236}">
+                <a16:creationId xmlns:a16="http://schemas.microsoft.com/office/drawing/2014/main" id="{750C2EC3-8F9C-10B6-4240-42FCECA5845C}"/>
+              </a:ext>
+            </a:extLst>
+          </p:cNvPr>
+          <p:cNvSpPr txBox="1"/>
+          <p:nvPr/>
+        </p:nvSpPr>
+        <p:spPr>
+          <a:xfrm>
+            <a:off x="3962399" y="5452358"/>
+            <a:ext cx="1948543" cy="338554"/>
+          </a:xfrm>
+          <a:prstGeom prst="rect">
+            <a:avLst/>
+          </a:prstGeom>
+          <a:noFill/>
+        </p:spPr>
+        <p:txBody>
+          <a:bodyPr wrap="square" rtlCol="0">
+            <a:spAutoFit/>
+          </a:bodyPr>
+          <a:lstStyle/>
+          <a:p>
+            <a:r>
+              <a:rPr lang="en-US" sz="1600" b="1" dirty="0" err="1">
+                <a:latin typeface="Times New Roman" panose="02020603050405020304" pitchFamily="18" charset="0"/>
+                <a:cs typeface="Times New Roman" panose="02020603050405020304" pitchFamily="18" charset="0"/>
+              </a:rPr>
+              <a:t>BookMates</a:t>
+            </a:r>
+            <a:endParaRPr lang="en-IN" sz="1600" b="1" dirty="0">
+              <a:latin typeface="Times New Roman" panose="02020603050405020304" pitchFamily="18" charset="0"/>
+              <a:cs typeface="Times New Roman" panose="02020603050405020304" pitchFamily="18" charset="0"/>
+            </a:endParaRPr>
+          </a:p>
+        </p:txBody>
+      </p:sp>
+    </p:spTree>
+    <p:extLst>
+      <p:ext uri="{BB962C8B-B14F-4D97-AF65-F5344CB8AC3E}">
+        <p14:creationId xmlns:p14="http://schemas.microsoft.com/office/powerpoint/2010/main" val="2825520376"/>
+      </p:ext>
+    </p:extLst>
+  </p:cSld>
+  <p:clrMapOvr>
+    <a:masterClrMapping/>
+  </p:clrMapOvr>
+</p:sld>
+</file>
+
+<file path=ppt/slides/slide12.xml><?xml version="1.0" encoding="utf-8"?>
+<p:sld xmlns:a="http://schemas.openxmlformats.org/drawingml/2006/main" xmlns:r="http://schemas.openxmlformats.org/officeDocument/2006/relationships" xmlns:p="http://schemas.openxmlformats.org/presentationml/2006/main">
+  <p:cSld>
+    <p:spTree>
+      <p:nvGrpSpPr>
+        <p:cNvPr id="1" name=""/>
+        <p:cNvGrpSpPr/>
+        <p:nvPr/>
+      </p:nvGrpSpPr>
+      <p:grpSpPr>
+        <a:xfrm>
+          <a:off x="0" y="0"/>
+          <a:ext cx="0" cy="0"/>
+          <a:chOff x="0" y="0"/>
+          <a:chExt cx="0" cy="0"/>
+        </a:xfrm>
+      </p:grpSpPr>
       <p:sp>
         <p:nvSpPr>
           <p:cNvPr id="2" name="Title 1"/>
@@ -8843,7 +8994,7 @@
 </p:sld>
 </file>
 
-<file path=ppt/slides/slide12.xml><?xml version="1.0" encoding="utf-8"?>
+<file path=ppt/slides/slide13.xml><?xml version="1.0" encoding="utf-8"?>
 <p:sld xmlns:a="http://schemas.openxmlformats.org/drawingml/2006/main" xmlns:r="http://schemas.openxmlformats.org/officeDocument/2006/relationships" xmlns:p="http://schemas.openxmlformats.org/presentationml/2006/main">
   <p:cSld>
     <p:spTree>
